--- a/Debugging_2016_10_11/Debugging.pptx
+++ b/Debugging_2016_10_11/Debugging.pptx
@@ -28,7 +28,8 @@
     <p:sldId id="277" r:id="rId22"/>
     <p:sldId id="278" r:id="rId23"/>
     <p:sldId id="279" r:id="rId24"/>
-    <p:sldId id="269" r:id="rId25"/>
+    <p:sldId id="280" r:id="rId25"/>
+    <p:sldId id="269" r:id="rId26"/>
   </p:sldIdLst>
   <p:sldSz cx="12192000" cy="6858000"/>
   <p:notesSz cx="6858000" cy="9144000"/>
@@ -4479,7 +4480,7 @@
         </p:blipFill>
         <p:spPr>
           <a:xfrm>
-            <a:off x="838200" y="2885338"/>
+            <a:off x="838200" y="2878807"/>
             <a:ext cx="10515600" cy="2231912"/>
           </a:xfrm>
           <a:prstGeom prst="rect">
@@ -4501,6 +4502,84 @@
 </file>
 
 <file path=ppt/slides/slide24.xml><?xml version="1.0" encoding="utf-8"?>
+<p:sld xmlns:a="http://schemas.openxmlformats.org/drawingml/2006/main" xmlns:r="http://schemas.openxmlformats.org/officeDocument/2006/relationships" xmlns:p="http://schemas.openxmlformats.org/presentationml/2006/main">
+  <p:cSld>
+    <p:spTree>
+      <p:nvGrpSpPr>
+        <p:cNvPr id="1" name=""/>
+        <p:cNvGrpSpPr/>
+        <p:nvPr/>
+      </p:nvGrpSpPr>
+      <p:grpSpPr>
+        <a:xfrm>
+          <a:off x="0" y="0"/>
+          <a:ext cx="0" cy="0"/>
+          <a:chOff x="0" y="0"/>
+          <a:chExt cx="0" cy="0"/>
+        </a:xfrm>
+      </p:grpSpPr>
+      <p:sp>
+        <p:nvSpPr>
+          <p:cNvPr id="2" name="Title 1"/>
+          <p:cNvSpPr>
+            <a:spLocks noGrp="1"/>
+          </p:cNvSpPr>
+          <p:nvPr>
+            <p:ph type="title"/>
+          </p:nvPr>
+        </p:nvSpPr>
+        <p:spPr/>
+        <p:txBody>
+          <a:bodyPr/>
+          <a:lstStyle/>
+          <a:p>
+            <a:r>
+              <a:rPr lang="en-US" dirty="0"/>
+              <a:t>In line - Watch</a:t>
+            </a:r>
+          </a:p>
+        </p:txBody>
+      </p:sp>
+      <p:pic>
+        <p:nvPicPr>
+          <p:cNvPr id="4" name="Content Placeholder 3"/>
+          <p:cNvPicPr>
+            <a:picLocks noGrp="1" noChangeAspect="1"/>
+          </p:cNvPicPr>
+          <p:nvPr>
+            <p:ph idx="1"/>
+          </p:nvPr>
+        </p:nvPicPr>
+        <p:blipFill>
+          <a:blip r:embed="rId2"/>
+          <a:stretch>
+            <a:fillRect/>
+          </a:stretch>
+        </p:blipFill>
+        <p:spPr>
+          <a:xfrm>
+            <a:off x="838200" y="2672872"/>
+            <a:ext cx="10515600" cy="2656844"/>
+          </a:xfrm>
+          <a:prstGeom prst="rect">
+            <a:avLst/>
+          </a:prstGeom>
+        </p:spPr>
+      </p:pic>
+    </p:spTree>
+    <p:extLst>
+      <p:ext uri="{BB962C8B-B14F-4D97-AF65-F5344CB8AC3E}">
+        <p14:creationId xmlns:p14="http://schemas.microsoft.com/office/powerpoint/2010/main" val="3351268282"/>
+      </p:ext>
+    </p:extLst>
+  </p:cSld>
+  <p:clrMapOvr>
+    <a:masterClrMapping/>
+  </p:clrMapOvr>
+</p:sld>
+</file>
+
+<file path=ppt/slides/slide25.xml><?xml version="1.0" encoding="utf-8"?>
 <p:sld xmlns:a="http://schemas.openxmlformats.org/drawingml/2006/main" xmlns:r="http://schemas.openxmlformats.org/officeDocument/2006/relationships" xmlns:p="http://schemas.openxmlformats.org/presentationml/2006/main">
   <p:cSld>
     <p:spTree>

--- a/Debugging_2016_10_11/Debugging.pptx
+++ b/Debugging_2016_10_11/Debugging.pptx
@@ -30,6 +30,7 @@
     <p:sldId id="279" r:id="rId24"/>
     <p:sldId id="280" r:id="rId25"/>
     <p:sldId id="269" r:id="rId26"/>
+    <p:sldId id="281" r:id="rId27"/>
   </p:sldIdLst>
   <p:sldSz cx="12192000" cy="6858000"/>
   <p:notesSz cx="6858000" cy="9144000"/>
@@ -128,6 +129,11 @@
       </a:defRPr>
     </a:lvl9pPr>
   </p:defaultTextStyle>
+  <p:extLst>
+    <p:ext uri="{EFAFB233-063F-42B5-8137-9DF3F51BA10A}">
+      <p15:sldGuideLst xmlns:p15="http://schemas.microsoft.com/office/powerpoint/2012/main"/>
+    </p:ext>
+  </p:extLst>
 </p:presentation>
 </file>
 
@@ -176,7 +182,6 @@
               <a:rPr lang="en-US"/>
               <a:t>Click to edit Master title style</a:t>
             </a:r>
-            <a:endParaRPr lang="en-US"/>
           </a:p>
         </p:txBody>
       </p:sp>
@@ -241,7 +246,6 @@
               <a:rPr lang="en-US"/>
               <a:t>Click to edit Master subtitle style</a:t>
             </a:r>
-            <a:endParaRPr lang="en-US"/>
           </a:p>
         </p:txBody>
       </p:sp>
@@ -262,7 +266,7 @@
           <a:p>
             <a:fld id="{23454F53-E735-477A-91FF-51591D57656F}" type="datetimeFigureOut">
               <a:rPr lang="en-US" smtClean="0"/>
-              <a:t>10/10/2016</a:t>
+              <a:t>10/11/2016</a:t>
             </a:fld>
             <a:endParaRPr lang="en-US"/>
           </a:p>
@@ -359,7 +363,6 @@
               <a:rPr lang="en-US"/>
               <a:t>Click to edit Master title style</a:t>
             </a:r>
-            <a:endParaRPr lang="en-US"/>
           </a:p>
         </p:txBody>
       </p:sp>
@@ -411,7 +414,6 @@
               <a:rPr lang="en-US"/>
               <a:t>Fifth level</a:t>
             </a:r>
-            <a:endParaRPr lang="en-US"/>
           </a:p>
         </p:txBody>
       </p:sp>
@@ -432,7 +434,7 @@
           <a:p>
             <a:fld id="{23454F53-E735-477A-91FF-51591D57656F}" type="datetimeFigureOut">
               <a:rPr lang="en-US" smtClean="0"/>
-              <a:t>10/10/2016</a:t>
+              <a:t>10/11/2016</a:t>
             </a:fld>
             <a:endParaRPr lang="en-US"/>
           </a:p>
@@ -534,7 +536,6 @@
               <a:rPr lang="en-US"/>
               <a:t>Click to edit Master title style</a:t>
             </a:r>
-            <a:endParaRPr lang="en-US"/>
           </a:p>
         </p:txBody>
       </p:sp>
@@ -591,7 +592,6 @@
               <a:rPr lang="en-US"/>
               <a:t>Fifth level</a:t>
             </a:r>
-            <a:endParaRPr lang="en-US"/>
           </a:p>
         </p:txBody>
       </p:sp>
@@ -612,7 +612,7 @@
           <a:p>
             <a:fld id="{23454F53-E735-477A-91FF-51591D57656F}" type="datetimeFigureOut">
               <a:rPr lang="en-US" smtClean="0"/>
-              <a:t>10/10/2016</a:t>
+              <a:t>10/11/2016</a:t>
             </a:fld>
             <a:endParaRPr lang="en-US"/>
           </a:p>
@@ -709,7 +709,6 @@
               <a:rPr lang="en-US"/>
               <a:t>Click to edit Master title style</a:t>
             </a:r>
-            <a:endParaRPr lang="en-US"/>
           </a:p>
         </p:txBody>
       </p:sp>
@@ -761,7 +760,6 @@
               <a:rPr lang="en-US"/>
               <a:t>Fifth level</a:t>
             </a:r>
-            <a:endParaRPr lang="en-US"/>
           </a:p>
         </p:txBody>
       </p:sp>
@@ -782,7 +780,7 @@
           <a:p>
             <a:fld id="{23454F53-E735-477A-91FF-51591D57656F}" type="datetimeFigureOut">
               <a:rPr lang="en-US" smtClean="0"/>
-              <a:t>10/10/2016</a:t>
+              <a:t>10/11/2016</a:t>
             </a:fld>
             <a:endParaRPr lang="en-US"/>
           </a:p>
@@ -888,7 +886,6 @@
               <a:rPr lang="en-US"/>
               <a:t>Click to edit Master title style</a:t>
             </a:r>
-            <a:endParaRPr lang="en-US"/>
           </a:p>
         </p:txBody>
       </p:sp>
@@ -1028,7 +1025,7 @@
           <a:p>
             <a:fld id="{23454F53-E735-477A-91FF-51591D57656F}" type="datetimeFigureOut">
               <a:rPr lang="en-US" smtClean="0"/>
-              <a:t>10/10/2016</a:t>
+              <a:t>10/11/2016</a:t>
             </a:fld>
             <a:endParaRPr lang="en-US"/>
           </a:p>
@@ -1125,7 +1122,6 @@
               <a:rPr lang="en-US"/>
               <a:t>Click to edit Master title style</a:t>
             </a:r>
-            <a:endParaRPr lang="en-US"/>
           </a:p>
         </p:txBody>
       </p:sp>
@@ -1182,7 +1178,6 @@
               <a:rPr lang="en-US"/>
               <a:t>Fifth level</a:t>
             </a:r>
-            <a:endParaRPr lang="en-US"/>
           </a:p>
         </p:txBody>
       </p:sp>
@@ -1239,7 +1234,6 @@
               <a:rPr lang="en-US"/>
               <a:t>Fifth level</a:t>
             </a:r>
-            <a:endParaRPr lang="en-US"/>
           </a:p>
         </p:txBody>
       </p:sp>
@@ -1260,7 +1254,7 @@
           <a:p>
             <a:fld id="{23454F53-E735-477A-91FF-51591D57656F}" type="datetimeFigureOut">
               <a:rPr lang="en-US" smtClean="0"/>
-              <a:t>10/10/2016</a:t>
+              <a:t>10/11/2016</a:t>
             </a:fld>
             <a:endParaRPr lang="en-US"/>
           </a:p>
@@ -1362,7 +1356,6 @@
               <a:rPr lang="en-US"/>
               <a:t>Click to edit Master title style</a:t>
             </a:r>
-            <a:endParaRPr lang="en-US"/>
           </a:p>
         </p:txBody>
       </p:sp>
@@ -1484,7 +1477,6 @@
               <a:rPr lang="en-US"/>
               <a:t>Fifth level</a:t>
             </a:r>
-            <a:endParaRPr lang="en-US"/>
           </a:p>
         </p:txBody>
       </p:sp>
@@ -1606,7 +1598,6 @@
               <a:rPr lang="en-US"/>
               <a:t>Fifth level</a:t>
             </a:r>
-            <a:endParaRPr lang="en-US"/>
           </a:p>
         </p:txBody>
       </p:sp>
@@ -1627,7 +1618,7 @@
           <a:p>
             <a:fld id="{23454F53-E735-477A-91FF-51591D57656F}" type="datetimeFigureOut">
               <a:rPr lang="en-US" smtClean="0"/>
-              <a:t>10/10/2016</a:t>
+              <a:t>10/11/2016</a:t>
             </a:fld>
             <a:endParaRPr lang="en-US"/>
           </a:p>
@@ -1724,7 +1715,6 @@
               <a:rPr lang="en-US"/>
               <a:t>Click to edit Master title style</a:t>
             </a:r>
-            <a:endParaRPr lang="en-US"/>
           </a:p>
         </p:txBody>
       </p:sp>
@@ -1745,7 +1735,7 @@
           <a:p>
             <a:fld id="{23454F53-E735-477A-91FF-51591D57656F}" type="datetimeFigureOut">
               <a:rPr lang="en-US" smtClean="0"/>
-              <a:t>10/10/2016</a:t>
+              <a:t>10/11/2016</a:t>
             </a:fld>
             <a:endParaRPr lang="en-US"/>
           </a:p>
@@ -1840,7 +1830,7 @@
           <a:p>
             <a:fld id="{23454F53-E735-477A-91FF-51591D57656F}" type="datetimeFigureOut">
               <a:rPr lang="en-US" smtClean="0"/>
-              <a:t>10/10/2016</a:t>
+              <a:t>10/11/2016</a:t>
             </a:fld>
             <a:endParaRPr lang="en-US"/>
           </a:p>
@@ -1946,7 +1936,6 @@
               <a:rPr lang="en-US"/>
               <a:t>Click to edit Master title style</a:t>
             </a:r>
-            <a:endParaRPr lang="en-US"/>
           </a:p>
         </p:txBody>
       </p:sp>
@@ -2031,7 +2020,6 @@
               <a:rPr lang="en-US"/>
               <a:t>Fifth level</a:t>
             </a:r>
-            <a:endParaRPr lang="en-US"/>
           </a:p>
         </p:txBody>
       </p:sp>
@@ -2117,7 +2105,7 @@
           <a:p>
             <a:fld id="{23454F53-E735-477A-91FF-51591D57656F}" type="datetimeFigureOut">
               <a:rPr lang="en-US" smtClean="0"/>
-              <a:t>10/10/2016</a:t>
+              <a:t>10/11/2016</a:t>
             </a:fld>
             <a:endParaRPr lang="en-US"/>
           </a:p>
@@ -2223,7 +2211,6 @@
               <a:rPr lang="en-US"/>
               <a:t>Click to edit Master title style</a:t>
             </a:r>
-            <a:endParaRPr lang="en-US"/>
           </a:p>
         </p:txBody>
       </p:sp>
@@ -2370,7 +2357,7 @@
           <a:p>
             <a:fld id="{23454F53-E735-477A-91FF-51591D57656F}" type="datetimeFigureOut">
               <a:rPr lang="en-US" smtClean="0"/>
-              <a:t>10/10/2016</a:t>
+              <a:t>10/11/2016</a:t>
             </a:fld>
             <a:endParaRPr lang="en-US"/>
           </a:p>
@@ -2482,7 +2469,6 @@
               <a:rPr lang="en-US"/>
               <a:t>Click to edit Master title style</a:t>
             </a:r>
-            <a:endParaRPr lang="en-US"/>
           </a:p>
         </p:txBody>
       </p:sp>
@@ -2544,7 +2530,6 @@
               <a:rPr lang="en-US"/>
               <a:t>Fifth level</a:t>
             </a:r>
-            <a:endParaRPr lang="en-US"/>
           </a:p>
         </p:txBody>
       </p:sp>
@@ -2583,7 +2568,7 @@
           <a:p>
             <a:fld id="{23454F53-E735-477A-91FF-51591D57656F}" type="datetimeFigureOut">
               <a:rPr lang="en-US" smtClean="0"/>
-              <a:t>10/10/2016</a:t>
+              <a:t>10/11/2016</a:t>
             </a:fld>
             <a:endParaRPr lang="en-US"/>
           </a:p>
@@ -3166,6 +3151,13 @@
               <a:t>node.js</a:t>
             </a:r>
           </a:p>
+          <a:p>
+            <a:pPr lvl="1"/>
+            <a:r>
+              <a:rPr lang="en-US" dirty="0"/>
+              <a:t>Even DB</a:t>
+            </a:r>
+          </a:p>
         </p:txBody>
       </p:sp>
     </p:spTree>
@@ -3779,8 +3771,12 @@
           <a:lstStyle/>
           <a:p>
             <a:r>
-              <a:rPr lang="en-US" dirty="0"/>
-              <a:t>Common debugging Features</a:t>
+              <a:rPr lang="en-US"/>
+              <a:t>Common Debugging </a:t>
+            </a:r>
+            <a:r>
+              <a:rPr lang="en-US" dirty="0"/>
+              <a:t>Features</a:t>
             </a:r>
           </a:p>
         </p:txBody>
@@ -4662,6 +4658,68 @@
     <p:extLst>
       <p:ext uri="{BB962C8B-B14F-4D97-AF65-F5344CB8AC3E}">
         <p14:creationId xmlns:p14="http://schemas.microsoft.com/office/powerpoint/2010/main" val="3904456325"/>
+      </p:ext>
+    </p:extLst>
+  </p:cSld>
+  <p:clrMapOvr>
+    <a:masterClrMapping/>
+  </p:clrMapOvr>
+</p:sld>
+</file>
+
+<file path=ppt/slides/slide26.xml><?xml version="1.0" encoding="utf-8"?>
+<p:sld xmlns:a="http://schemas.openxmlformats.org/drawingml/2006/main" xmlns:r="http://schemas.openxmlformats.org/officeDocument/2006/relationships" xmlns:p="http://schemas.openxmlformats.org/presentationml/2006/main">
+  <p:cSld>
+    <p:spTree>
+      <p:nvGrpSpPr>
+        <p:cNvPr id="1" name=""/>
+        <p:cNvGrpSpPr/>
+        <p:nvPr/>
+      </p:nvGrpSpPr>
+      <p:grpSpPr>
+        <a:xfrm>
+          <a:off x="0" y="0"/>
+          <a:ext cx="0" cy="0"/>
+          <a:chOff x="0" y="0"/>
+          <a:chExt cx="0" cy="0"/>
+        </a:xfrm>
+      </p:grpSpPr>
+      <p:sp>
+        <p:nvSpPr>
+          <p:cNvPr id="3" name="Content Placeholder 2"/>
+          <p:cNvSpPr>
+            <a:spLocks noGrp="1"/>
+          </p:cNvSpPr>
+          <p:nvPr>
+            <p:ph idx="1"/>
+          </p:nvPr>
+        </p:nvSpPr>
+        <p:spPr>
+          <a:xfrm>
+            <a:off x="832262" y="2835027"/>
+            <a:ext cx="10515600" cy="792884"/>
+          </a:xfrm>
+        </p:spPr>
+        <p:txBody>
+          <a:bodyPr>
+            <a:normAutofit/>
+          </a:bodyPr>
+          <a:lstStyle/>
+          <a:p>
+            <a:pPr marL="0" indent="0" algn="ctr">
+              <a:buNone/>
+            </a:pPr>
+            <a:r>
+              <a:rPr lang="en-US" sz="4800" dirty="0"/>
+              <a:t>https://github.com/chadmichel/Talks</a:t>
+            </a:r>
+          </a:p>
+        </p:txBody>
+      </p:sp>
+    </p:spTree>
+    <p:extLst>
+      <p:ext uri="{BB962C8B-B14F-4D97-AF65-F5344CB8AC3E}">
+        <p14:creationId xmlns:p14="http://schemas.microsoft.com/office/powerpoint/2010/main" val="2894953993"/>
       </p:ext>
     </p:extLst>
   </p:cSld>

--- a/Debugging_2016_10_11/Debugging.pptx
+++ b/Debugging_2016_10_11/Debugging.pptx
@@ -29,8 +29,9 @@
     <p:sldId id="278" r:id="rId23"/>
     <p:sldId id="279" r:id="rId24"/>
     <p:sldId id="280" r:id="rId25"/>
-    <p:sldId id="269" r:id="rId26"/>
-    <p:sldId id="281" r:id="rId27"/>
+    <p:sldId id="282" r:id="rId26"/>
+    <p:sldId id="269" r:id="rId27"/>
+    <p:sldId id="281" r:id="rId28"/>
   </p:sldIdLst>
   <p:sldSz cx="12192000" cy="6858000"/>
   <p:notesSz cx="6858000" cy="9144000"/>
@@ -266,7 +267,7 @@
           <a:p>
             <a:fld id="{23454F53-E735-477A-91FF-51591D57656F}" type="datetimeFigureOut">
               <a:rPr lang="en-US" smtClean="0"/>
-              <a:t>10/11/2016</a:t>
+              <a:t>10/13/2016</a:t>
             </a:fld>
             <a:endParaRPr lang="en-US"/>
           </a:p>
@@ -434,7 +435,7 @@
           <a:p>
             <a:fld id="{23454F53-E735-477A-91FF-51591D57656F}" type="datetimeFigureOut">
               <a:rPr lang="en-US" smtClean="0"/>
-              <a:t>10/11/2016</a:t>
+              <a:t>10/13/2016</a:t>
             </a:fld>
             <a:endParaRPr lang="en-US"/>
           </a:p>
@@ -612,7 +613,7 @@
           <a:p>
             <a:fld id="{23454F53-E735-477A-91FF-51591D57656F}" type="datetimeFigureOut">
               <a:rPr lang="en-US" smtClean="0"/>
-              <a:t>10/11/2016</a:t>
+              <a:t>10/13/2016</a:t>
             </a:fld>
             <a:endParaRPr lang="en-US"/>
           </a:p>
@@ -780,7 +781,7 @@
           <a:p>
             <a:fld id="{23454F53-E735-477A-91FF-51591D57656F}" type="datetimeFigureOut">
               <a:rPr lang="en-US" smtClean="0"/>
-              <a:t>10/11/2016</a:t>
+              <a:t>10/13/2016</a:t>
             </a:fld>
             <a:endParaRPr lang="en-US"/>
           </a:p>
@@ -1025,7 +1026,7 @@
           <a:p>
             <a:fld id="{23454F53-E735-477A-91FF-51591D57656F}" type="datetimeFigureOut">
               <a:rPr lang="en-US" smtClean="0"/>
-              <a:t>10/11/2016</a:t>
+              <a:t>10/13/2016</a:t>
             </a:fld>
             <a:endParaRPr lang="en-US"/>
           </a:p>
@@ -1254,7 +1255,7 @@
           <a:p>
             <a:fld id="{23454F53-E735-477A-91FF-51591D57656F}" type="datetimeFigureOut">
               <a:rPr lang="en-US" smtClean="0"/>
-              <a:t>10/11/2016</a:t>
+              <a:t>10/13/2016</a:t>
             </a:fld>
             <a:endParaRPr lang="en-US"/>
           </a:p>
@@ -1618,7 +1619,7 @@
           <a:p>
             <a:fld id="{23454F53-E735-477A-91FF-51591D57656F}" type="datetimeFigureOut">
               <a:rPr lang="en-US" smtClean="0"/>
-              <a:t>10/11/2016</a:t>
+              <a:t>10/13/2016</a:t>
             </a:fld>
             <a:endParaRPr lang="en-US"/>
           </a:p>
@@ -1735,7 +1736,7 @@
           <a:p>
             <a:fld id="{23454F53-E735-477A-91FF-51591D57656F}" type="datetimeFigureOut">
               <a:rPr lang="en-US" smtClean="0"/>
-              <a:t>10/11/2016</a:t>
+              <a:t>10/13/2016</a:t>
             </a:fld>
             <a:endParaRPr lang="en-US"/>
           </a:p>
@@ -1830,7 +1831,7 @@
           <a:p>
             <a:fld id="{23454F53-E735-477A-91FF-51591D57656F}" type="datetimeFigureOut">
               <a:rPr lang="en-US" smtClean="0"/>
-              <a:t>10/11/2016</a:t>
+              <a:t>10/13/2016</a:t>
             </a:fld>
             <a:endParaRPr lang="en-US"/>
           </a:p>
@@ -2105,7 +2106,7 @@
           <a:p>
             <a:fld id="{23454F53-E735-477A-91FF-51591D57656F}" type="datetimeFigureOut">
               <a:rPr lang="en-US" smtClean="0"/>
-              <a:t>10/11/2016</a:t>
+              <a:t>10/13/2016</a:t>
             </a:fld>
             <a:endParaRPr lang="en-US"/>
           </a:p>
@@ -2357,7 +2358,7 @@
           <a:p>
             <a:fld id="{23454F53-E735-477A-91FF-51591D57656F}" type="datetimeFigureOut">
               <a:rPr lang="en-US" smtClean="0"/>
-              <a:t>10/11/2016</a:t>
+              <a:t>10/13/2016</a:t>
             </a:fld>
             <a:endParaRPr lang="en-US"/>
           </a:p>
@@ -2568,7 +2569,7 @@
           <a:p>
             <a:fld id="{23454F53-E735-477A-91FF-51591D57656F}" type="datetimeFigureOut">
               <a:rPr lang="en-US" smtClean="0"/>
-              <a:t>10/11/2016</a:t>
+              <a:t>10/13/2016</a:t>
             </a:fld>
             <a:endParaRPr lang="en-US"/>
           </a:p>
@@ -4609,6 +4610,82 @@
           <a:p>
             <a:r>
               <a:rPr lang="en-US" dirty="0"/>
+              <a:t>Conditional Breakpoints</a:t>
+            </a:r>
+          </a:p>
+        </p:txBody>
+      </p:sp>
+      <p:pic>
+        <p:nvPicPr>
+          <p:cNvPr id="4" name="Picture 3"/>
+          <p:cNvPicPr>
+            <a:picLocks noChangeAspect="1"/>
+          </p:cNvPicPr>
+          <p:nvPr/>
+        </p:nvPicPr>
+        <p:blipFill>
+          <a:blip r:embed="rId2"/>
+          <a:stretch>
+            <a:fillRect/>
+          </a:stretch>
+        </p:blipFill>
+        <p:spPr>
+          <a:xfrm>
+            <a:off x="1221233" y="2546256"/>
+            <a:ext cx="9749533" cy="2919973"/>
+          </a:xfrm>
+          <a:prstGeom prst="rect">
+            <a:avLst/>
+          </a:prstGeom>
+        </p:spPr>
+      </p:pic>
+    </p:spTree>
+    <p:extLst>
+      <p:ext uri="{BB962C8B-B14F-4D97-AF65-F5344CB8AC3E}">
+        <p14:creationId xmlns:p14="http://schemas.microsoft.com/office/powerpoint/2010/main" val="4072435132"/>
+      </p:ext>
+    </p:extLst>
+  </p:cSld>
+  <p:clrMapOvr>
+    <a:masterClrMapping/>
+  </p:clrMapOvr>
+</p:sld>
+</file>
+
+<file path=ppt/slides/slide26.xml><?xml version="1.0" encoding="utf-8"?>
+<p:sld xmlns:a="http://schemas.openxmlformats.org/drawingml/2006/main" xmlns:r="http://schemas.openxmlformats.org/officeDocument/2006/relationships" xmlns:p="http://schemas.openxmlformats.org/presentationml/2006/main">
+  <p:cSld>
+    <p:spTree>
+      <p:nvGrpSpPr>
+        <p:cNvPr id="1" name=""/>
+        <p:cNvGrpSpPr/>
+        <p:nvPr/>
+      </p:nvGrpSpPr>
+      <p:grpSpPr>
+        <a:xfrm>
+          <a:off x="0" y="0"/>
+          <a:ext cx="0" cy="0"/>
+          <a:chOff x="0" y="0"/>
+          <a:chExt cx="0" cy="0"/>
+        </a:xfrm>
+      </p:grpSpPr>
+      <p:sp>
+        <p:nvSpPr>
+          <p:cNvPr id="2" name="Title 1"/>
+          <p:cNvSpPr>
+            <a:spLocks noGrp="1"/>
+          </p:cNvSpPr>
+          <p:nvPr>
+            <p:ph type="title"/>
+          </p:nvPr>
+        </p:nvSpPr>
+        <p:spPr/>
+        <p:txBody>
+          <a:bodyPr/>
+          <a:lstStyle/>
+          <a:p>
+            <a:r>
+              <a:rPr lang="en-US" dirty="0"/>
               <a:t>Uses for debugging</a:t>
             </a:r>
           </a:p>
@@ -4667,7 +4744,7 @@
 </p:sld>
 </file>
 
-<file path=ppt/slides/slide26.xml><?xml version="1.0" encoding="utf-8"?>
+<file path=ppt/slides/slide27.xml><?xml version="1.0" encoding="utf-8"?>
 <p:sld xmlns:a="http://schemas.openxmlformats.org/drawingml/2006/main" xmlns:r="http://schemas.openxmlformats.org/officeDocument/2006/relationships" xmlns:p="http://schemas.openxmlformats.org/presentationml/2006/main">
   <p:cSld>
     <p:spTree>

--- a/Debugging_2016_10_11/Debugging.pptx
+++ b/Debugging_2016_10_11/Debugging.pptx
@@ -30,8 +30,10 @@
     <p:sldId id="279" r:id="rId24"/>
     <p:sldId id="280" r:id="rId25"/>
     <p:sldId id="282" r:id="rId26"/>
-    <p:sldId id="269" r:id="rId27"/>
-    <p:sldId id="281" r:id="rId28"/>
+    <p:sldId id="283" r:id="rId27"/>
+    <p:sldId id="284" r:id="rId28"/>
+    <p:sldId id="269" r:id="rId29"/>
+    <p:sldId id="281" r:id="rId30"/>
   </p:sldIdLst>
   <p:sldSz cx="12192000" cy="6858000"/>
   <p:notesSz cx="6858000" cy="9144000"/>
@@ -4686,6 +4688,158 @@
           <a:p>
             <a:r>
               <a:rPr lang="en-US" dirty="0"/>
+              <a:t>Immediate Window</a:t>
+            </a:r>
+          </a:p>
+        </p:txBody>
+      </p:sp>
+      <p:pic>
+        <p:nvPicPr>
+          <p:cNvPr id="4" name="Picture 3"/>
+          <p:cNvPicPr>
+            <a:picLocks noChangeAspect="1"/>
+          </p:cNvPicPr>
+          <p:nvPr/>
+        </p:nvPicPr>
+        <p:blipFill>
+          <a:blip r:embed="rId2"/>
+          <a:stretch>
+            <a:fillRect/>
+          </a:stretch>
+        </p:blipFill>
+        <p:spPr>
+          <a:xfrm>
+            <a:off x="1979518" y="2516840"/>
+            <a:ext cx="8645617" cy="2277035"/>
+          </a:xfrm>
+          <a:prstGeom prst="rect">
+            <a:avLst/>
+          </a:prstGeom>
+        </p:spPr>
+      </p:pic>
+    </p:spTree>
+    <p:extLst>
+      <p:ext uri="{BB962C8B-B14F-4D97-AF65-F5344CB8AC3E}">
+        <p14:creationId xmlns:p14="http://schemas.microsoft.com/office/powerpoint/2010/main" val="1326943174"/>
+      </p:ext>
+    </p:extLst>
+  </p:cSld>
+  <p:clrMapOvr>
+    <a:masterClrMapping/>
+  </p:clrMapOvr>
+</p:sld>
+</file>
+
+<file path=ppt/slides/slide27.xml><?xml version="1.0" encoding="utf-8"?>
+<p:sld xmlns:a="http://schemas.openxmlformats.org/drawingml/2006/main" xmlns:r="http://schemas.openxmlformats.org/officeDocument/2006/relationships" xmlns:p="http://schemas.openxmlformats.org/presentationml/2006/main">
+  <p:cSld>
+    <p:spTree>
+      <p:nvGrpSpPr>
+        <p:cNvPr id="1" name=""/>
+        <p:cNvGrpSpPr/>
+        <p:nvPr/>
+      </p:nvGrpSpPr>
+      <p:grpSpPr>
+        <a:xfrm>
+          <a:off x="0" y="0"/>
+          <a:ext cx="0" cy="0"/>
+          <a:chOff x="0" y="0"/>
+          <a:chExt cx="0" cy="0"/>
+        </a:xfrm>
+      </p:grpSpPr>
+      <p:sp>
+        <p:nvSpPr>
+          <p:cNvPr id="2" name="Title 1"/>
+          <p:cNvSpPr>
+            <a:spLocks noGrp="1"/>
+          </p:cNvSpPr>
+          <p:nvPr>
+            <p:ph type="title"/>
+          </p:nvPr>
+        </p:nvSpPr>
+        <p:spPr/>
+        <p:txBody>
+          <a:bodyPr/>
+          <a:lstStyle/>
+          <a:p>
+            <a:r>
+              <a:rPr lang="en-US" dirty="0"/>
+              <a:t>Performance Profiler</a:t>
+            </a:r>
+          </a:p>
+        </p:txBody>
+      </p:sp>
+      <p:pic>
+        <p:nvPicPr>
+          <p:cNvPr id="4" name="Picture 3"/>
+          <p:cNvPicPr>
+            <a:picLocks noChangeAspect="1"/>
+          </p:cNvPicPr>
+          <p:nvPr/>
+        </p:nvPicPr>
+        <p:blipFill>
+          <a:blip r:embed="rId2"/>
+          <a:stretch>
+            <a:fillRect/>
+          </a:stretch>
+        </p:blipFill>
+        <p:spPr>
+          <a:xfrm>
+            <a:off x="1880627" y="1609725"/>
+            <a:ext cx="8524875" cy="5248275"/>
+          </a:xfrm>
+          <a:prstGeom prst="rect">
+            <a:avLst/>
+          </a:prstGeom>
+        </p:spPr>
+      </p:pic>
+    </p:spTree>
+    <p:extLst>
+      <p:ext uri="{BB962C8B-B14F-4D97-AF65-F5344CB8AC3E}">
+        <p14:creationId xmlns:p14="http://schemas.microsoft.com/office/powerpoint/2010/main" val="2691061653"/>
+      </p:ext>
+    </p:extLst>
+  </p:cSld>
+  <p:clrMapOvr>
+    <a:masterClrMapping/>
+  </p:clrMapOvr>
+</p:sld>
+</file>
+
+<file path=ppt/slides/slide28.xml><?xml version="1.0" encoding="utf-8"?>
+<p:sld xmlns:a="http://schemas.openxmlformats.org/drawingml/2006/main" xmlns:r="http://schemas.openxmlformats.org/officeDocument/2006/relationships" xmlns:p="http://schemas.openxmlformats.org/presentationml/2006/main">
+  <p:cSld>
+    <p:spTree>
+      <p:nvGrpSpPr>
+        <p:cNvPr id="1" name=""/>
+        <p:cNvGrpSpPr/>
+        <p:nvPr/>
+      </p:nvGrpSpPr>
+      <p:grpSpPr>
+        <a:xfrm>
+          <a:off x="0" y="0"/>
+          <a:ext cx="0" cy="0"/>
+          <a:chOff x="0" y="0"/>
+          <a:chExt cx="0" cy="0"/>
+        </a:xfrm>
+      </p:grpSpPr>
+      <p:sp>
+        <p:nvSpPr>
+          <p:cNvPr id="2" name="Title 1"/>
+          <p:cNvSpPr>
+            <a:spLocks noGrp="1"/>
+          </p:cNvSpPr>
+          <p:nvPr>
+            <p:ph type="title"/>
+          </p:nvPr>
+        </p:nvSpPr>
+        <p:spPr/>
+        <p:txBody>
+          <a:bodyPr/>
+          <a:lstStyle/>
+          <a:p>
+            <a:r>
+              <a:rPr lang="en-US" dirty="0"/>
               <a:t>Uses for debugging</a:t>
             </a:r>
           </a:p>
@@ -4744,7 +4898,7 @@
 </p:sld>
 </file>
 
-<file path=ppt/slides/slide27.xml><?xml version="1.0" encoding="utf-8"?>
+<file path=ppt/slides/slide29.xml><?xml version="1.0" encoding="utf-8"?>
 <p:sld xmlns:a="http://schemas.openxmlformats.org/drawingml/2006/main" xmlns:r="http://schemas.openxmlformats.org/officeDocument/2006/relationships" xmlns:p="http://schemas.openxmlformats.org/presentationml/2006/main">
   <p:cSld>
     <p:spTree>
